--- a/V1.pptx
+++ b/V1.pptx
@@ -269,7 +269,7 @@
       <p15:sldGuideLst xmlns:p15="http://schemas.microsoft.com/office/powerpoint/2012/main"/>
     </p:ext>
     <p:ext uri="http://customooxmlschemas.google.com/">
-      <go:slidesCustomData xmlns="" xmlns:mc="http://schemas.openxmlformats.org/markup-compatibility/2006" xmlns:mv="urn:schemas-microsoft-com:mac:vml" xmlns:c="http://schemas.openxmlformats.org/drawingml/2006/chart" xmlns:dgm="http://schemas.openxmlformats.org/drawingml/2006/diagram" xmlns:o="urn:schemas-microsoft-com:office:office" xmlns:v="urn:schemas-microsoft-com:vml" xmlns:pvml="urn:schemas-microsoft-com:office:powerpoint" xmlns:com="http://schemas.openxmlformats.org/drawingml/2006/compatibility" xmlns:p14="http://schemas.microsoft.com/office/powerpoint/2010/main" xmlns:p15="http://schemas.microsoft.com/office/powerpoint/2012/main" xmlns:ahyp="http://schemas.microsoft.com/office/drawing/2018/hyperlinkcolor" xmlns:go="http://customooxmlschemas.google.com/" r:id="rId24" roundtripDataSignature="AMtx7mi1sBDdHb2XsYteFNPHBFMUQvu/sQ=="/>
+      <go:slidesCustomData xmlns:go="http://customooxmlschemas.google.com/" xmlns:ahyp="http://schemas.microsoft.com/office/drawing/2018/hyperlinkcolor" xmlns:p15="http://schemas.microsoft.com/office/powerpoint/2012/main" xmlns:p14="http://schemas.microsoft.com/office/powerpoint/2010/main" xmlns:com="http://schemas.openxmlformats.org/drawingml/2006/compatibility" xmlns:pvml="urn:schemas-microsoft-com:office:powerpoint" xmlns:v="urn:schemas-microsoft-com:vml" xmlns:o="urn:schemas-microsoft-com:office:office" xmlns:dgm="http://schemas.openxmlformats.org/drawingml/2006/diagram" xmlns:c="http://schemas.openxmlformats.org/drawingml/2006/chart" xmlns:mv="urn:schemas-microsoft-com:mac:vml" xmlns:mc="http://schemas.openxmlformats.org/markup-compatibility/2006" xmlns="" r:id="rId24" roundtripDataSignature="AMtx7mi1sBDdHb2XsYteFNPHBFMUQvu/sQ=="/>
     </p:ext>
   </p:extLst>
 </p:presentation>
@@ -28441,14 +28441,14 @@
               <a:t> – </a:t>
             </a:r>
             <a:r>
-              <a:rPr lang="en-IN" sz="1400" b="1" dirty="0">
+              <a:rPr lang="en-IN" sz="1400" b="1">
                 <a:solidFill>
                   <a:srgbClr val="002060"/>
                 </a:solidFill>
                 <a:latin typeface="Times New Roman" panose="02020603050405020304" pitchFamily="18" charset="0"/>
                 <a:cs typeface="Times New Roman" panose="02020603050405020304" pitchFamily="18" charset="0"/>
               </a:rPr>
-              <a:t>Sanjana Meena</a:t>
+              <a:t>Mena Sanjana</a:t>
             </a:r>
             <a:endParaRPr sz="1400" dirty="0">
               <a:solidFill>
@@ -29286,23 +29286,6 @@
 </file>
 
 <file path=customXml/item1.xml><?xml version="1.0" encoding="utf-8"?>
-<?mso-contentType ?>
-<FormTemplates xmlns="http://schemas.microsoft.com/sharepoint/v3/contenttype/forms">
-  <Display>DocumentLibraryForm</Display>
-  <Edit>DocumentLibraryForm</Edit>
-  <New>DocumentLibraryForm</New>
-</FormTemplates>
-</file>
-
-<file path=customXml/item2.xml><?xml version="1.0" encoding="utf-8"?>
-<p:properties xmlns:p="http://schemas.microsoft.com/office/2006/metadata/properties" xmlns:xsi="http://www.w3.org/2001/XMLSchema-instance" xmlns:pc="http://schemas.microsoft.com/office/infopath/2007/PartnerControls">
-  <documentManagement>
-    <_activity xmlns="393acc00-05c4-4641-bcc3-405eb84257fd" xsi:nil="true"/>
-  </documentManagement>
-</p:properties>
-</file>
-
-<file path=customXml/item3.xml><?xml version="1.0" encoding="utf-8"?>
 <ct:contentTypeSchema xmlns:ct="http://schemas.microsoft.com/office/2006/metadata/contentType" xmlns:ma="http://schemas.microsoft.com/office/2006/metadata/properties/metaAttributes" ct:_="" ma:_="" ma:contentTypeName="Document" ma:contentTypeID="0x010100D02D6995C558684BB30A97BC7117BD48" ma:contentTypeVersion="6" ma:contentTypeDescription="Create a new document." ma:contentTypeScope="" ma:versionID="3c08ef42038a8c16bff6581ab12bd95e">
   <xsd:schema xmlns:xsd="http://www.w3.org/2001/XMLSchema" xmlns:xs="http://www.w3.org/2001/XMLSchema" xmlns:p="http://schemas.microsoft.com/office/2006/metadata/properties" xmlns:ns3="393acc00-05c4-4641-bcc3-405eb84257fd" targetNamespace="http://schemas.microsoft.com/office/2006/metadata/properties" ma:root="true" ma:fieldsID="b8ccd4ff60ab52540037b918810c0f04" ns3:_="">
     <xsd:import namespace="393acc00-05c4-4641-bcc3-405eb84257fd"/>
@@ -29458,10 +29441,37 @@
 </ct:contentTypeSchema>
 </file>
 
+<file path=customXml/item2.xml><?xml version="1.0" encoding="utf-8"?>
+<p:properties xmlns:p="http://schemas.microsoft.com/office/2006/metadata/properties" xmlns:xsi="http://www.w3.org/2001/XMLSchema-instance" xmlns:pc="http://schemas.microsoft.com/office/infopath/2007/PartnerControls">
+  <documentManagement>
+    <_activity xmlns="393acc00-05c4-4641-bcc3-405eb84257fd" xsi:nil="true"/>
+  </documentManagement>
+</p:properties>
+</file>
+
+<file path=customXml/item3.xml><?xml version="1.0" encoding="utf-8"?>
+<?mso-contentType ?>
+<FormTemplates xmlns="http://schemas.microsoft.com/sharepoint/v3/contenttype/forms">
+  <Display>DocumentLibraryForm</Display>
+  <Edit>DocumentLibraryForm</Edit>
+  <New>DocumentLibraryForm</New>
+</FormTemplates>
+</file>
+
 <file path=customXml/itemProps1.xml><?xml version="1.0" encoding="utf-8"?>
-<ds:datastoreItem xmlns:ds="http://schemas.openxmlformats.org/officeDocument/2006/customXml" ds:itemID="{42B58D62-4FA6-4BF1-9CDB-652ADB5C7044}">
+<ds:datastoreItem xmlns:ds="http://schemas.openxmlformats.org/officeDocument/2006/customXml" ds:itemID="{0103863B-18CD-4DFD-B730-8A027748E135}">
   <ds:schemaRefs>
-    <ds:schemaRef ds:uri="http://schemas.microsoft.com/sharepoint/v3/contenttype/forms"/>
+    <ds:schemaRef ds:uri="http://schemas.microsoft.com/office/2006/metadata/contentType"/>
+    <ds:schemaRef ds:uri="http://schemas.microsoft.com/office/2006/metadata/properties/metaAttributes"/>
+    <ds:schemaRef ds:uri="http://www.w3.org/2001/XMLSchema"/>
+    <ds:schemaRef ds:uri="http://schemas.microsoft.com/office/2006/metadata/properties"/>
+    <ds:schemaRef ds:uri="393acc00-05c4-4641-bcc3-405eb84257fd"/>
+    <ds:schemaRef ds:uri="http://schemas.microsoft.com/office/2006/documentManagement/types"/>
+    <ds:schemaRef ds:uri="http://schemas.microsoft.com/office/infopath/2007/PartnerControls"/>
+    <ds:schemaRef ds:uri="http://schemas.openxmlformats.org/package/2006/metadata/core-properties"/>
+    <ds:schemaRef ds:uri="http://purl.org/dc/elements/1.1/"/>
+    <ds:schemaRef ds:uri="http://purl.org/dc/terms/"/>
+    <ds:schemaRef ds:uri="http://schemas.microsoft.com/internal/obd"/>
   </ds:schemaRefs>
 </ds:datastoreItem>
 </file>
@@ -29483,19 +29493,9 @@
 </file>
 
 <file path=customXml/itemProps3.xml><?xml version="1.0" encoding="utf-8"?>
-<ds:datastoreItem xmlns:ds="http://schemas.openxmlformats.org/officeDocument/2006/customXml" ds:itemID="{0103863B-18CD-4DFD-B730-8A027748E135}">
+<ds:datastoreItem xmlns:ds="http://schemas.openxmlformats.org/officeDocument/2006/customXml" ds:itemID="{42B58D62-4FA6-4BF1-9CDB-652ADB5C7044}">
   <ds:schemaRefs>
-    <ds:schemaRef ds:uri="http://schemas.microsoft.com/office/2006/metadata/contentType"/>
-    <ds:schemaRef ds:uri="http://schemas.microsoft.com/office/2006/metadata/properties/metaAttributes"/>
-    <ds:schemaRef ds:uri="http://www.w3.org/2001/XMLSchema"/>
-    <ds:schemaRef ds:uri="http://schemas.microsoft.com/office/2006/metadata/properties"/>
-    <ds:schemaRef ds:uri="393acc00-05c4-4641-bcc3-405eb84257fd"/>
-    <ds:schemaRef ds:uri="http://schemas.microsoft.com/office/2006/documentManagement/types"/>
-    <ds:schemaRef ds:uri="http://schemas.microsoft.com/office/infopath/2007/PartnerControls"/>
-    <ds:schemaRef ds:uri="http://schemas.openxmlformats.org/package/2006/metadata/core-properties"/>
-    <ds:schemaRef ds:uri="http://purl.org/dc/elements/1.1/"/>
-    <ds:schemaRef ds:uri="http://purl.org/dc/terms/"/>
-    <ds:schemaRef ds:uri="http://schemas.microsoft.com/internal/obd"/>
+    <ds:schemaRef ds:uri="http://schemas.microsoft.com/sharepoint/v3/contenttype/forms"/>
   </ds:schemaRefs>
 </ds:datastoreItem>
 </file>